--- a/preprocessing/20154315(2).pptx
+++ b/preprocessing/20154315(2).pptx
@@ -4,6 +4,9 @@
   <p:sldMasterIdLst>
     <p:sldMasterId id="2147483660" r:id="rId1"/>
   </p:sldMasterIdLst>
+  <p:notesMasterIdLst>
+    <p:notesMasterId r:id="rId12"/>
+  </p:notesMasterIdLst>
   <p:sldIdLst>
     <p:sldId id="257" r:id="rId2"/>
     <p:sldId id="260" r:id="rId3"/>
@@ -133,18 +136,551 @@
 </p:cmAuthorLst>
 </file>
 
-<file path=ppt/comments/comment1.xml><?xml version="1.0" encoding="utf-8"?>
-<p:cmLst xmlns:a="http://schemas.openxmlformats.org/drawingml/2006/main" xmlns:r="http://schemas.openxmlformats.org/officeDocument/2006/relationships" xmlns:p="http://schemas.openxmlformats.org/presentationml/2006/main">
-  <p:cm authorId="1" dt="2021-04-14T23:53:26.394" idx="1">
-    <p:pos x="10" y="10"/>
-    <p:text/>
+<file path=ppt/notesMasters/notesMaster1.xml><?xml version="1.0" encoding="utf-8"?>
+<p:notesMaster xmlns:a="http://schemas.openxmlformats.org/drawingml/2006/main" xmlns:r="http://schemas.openxmlformats.org/officeDocument/2006/relationships" xmlns:p="http://schemas.openxmlformats.org/presentationml/2006/main">
+  <p:cSld>
+    <p:bg>
+      <p:bgRef idx="1001">
+        <a:schemeClr val="bg1"/>
+      </p:bgRef>
+    </p:bg>
+    <p:spTree>
+      <p:nvGrpSpPr>
+        <p:cNvPr id="1" name=""/>
+        <p:cNvGrpSpPr/>
+        <p:nvPr/>
+      </p:nvGrpSpPr>
+      <p:grpSpPr>
+        <a:xfrm>
+          <a:off x="0" y="0"/>
+          <a:ext cx="0" cy="0"/>
+          <a:chOff x="0" y="0"/>
+          <a:chExt cx="0" cy="0"/>
+        </a:xfrm>
+      </p:grpSpPr>
+      <p:sp>
+        <p:nvSpPr>
+          <p:cNvPr id="2" name="머리글 개체 틀 1"/>
+          <p:cNvSpPr>
+            <a:spLocks noGrp="1"/>
+          </p:cNvSpPr>
+          <p:nvPr>
+            <p:ph type="hdr" sz="quarter"/>
+          </p:nvPr>
+        </p:nvSpPr>
+        <p:spPr>
+          <a:xfrm>
+            <a:off x="0" y="0"/>
+            <a:ext cx="2971800" cy="458788"/>
+          </a:xfrm>
+          <a:prstGeom prst="rect">
+            <a:avLst/>
+          </a:prstGeom>
+        </p:spPr>
+        <p:txBody>
+          <a:bodyPr vert="horz" lIns="91440" tIns="45720" rIns="91440" bIns="45720" rtlCol="0"/>
+          <a:lstStyle>
+            <a:lvl1pPr algn="l">
+              <a:defRPr sz="1200"/>
+            </a:lvl1pPr>
+          </a:lstStyle>
+          <a:p>
+            <a:endParaRPr lang="ko-KR" altLang="en-US"/>
+          </a:p>
+        </p:txBody>
+      </p:sp>
+      <p:sp>
+        <p:nvSpPr>
+          <p:cNvPr id="3" name="날짜 개체 틀 2"/>
+          <p:cNvSpPr>
+            <a:spLocks noGrp="1"/>
+          </p:cNvSpPr>
+          <p:nvPr>
+            <p:ph type="dt" idx="1"/>
+          </p:nvPr>
+        </p:nvSpPr>
+        <p:spPr>
+          <a:xfrm>
+            <a:off x="3884613" y="0"/>
+            <a:ext cx="2971800" cy="458788"/>
+          </a:xfrm>
+          <a:prstGeom prst="rect">
+            <a:avLst/>
+          </a:prstGeom>
+        </p:spPr>
+        <p:txBody>
+          <a:bodyPr vert="horz" lIns="91440" tIns="45720" rIns="91440" bIns="45720" rtlCol="0"/>
+          <a:lstStyle>
+            <a:lvl1pPr algn="r">
+              <a:defRPr sz="1200"/>
+            </a:lvl1pPr>
+          </a:lstStyle>
+          <a:p>
+            <a:fld id="{CAE9341F-8CEE-45FB-BCC2-38A9799D8DDD}" type="datetimeFigureOut">
+              <a:rPr lang="ko-KR" altLang="en-US" smtClean="0"/>
+              <a:t>2021-04-15</a:t>
+            </a:fld>
+            <a:endParaRPr lang="ko-KR" altLang="en-US"/>
+          </a:p>
+        </p:txBody>
+      </p:sp>
+      <p:sp>
+        <p:nvSpPr>
+          <p:cNvPr id="4" name="슬라이드 이미지 개체 틀 3"/>
+          <p:cNvSpPr>
+            <a:spLocks noGrp="1" noRot="1" noChangeAspect="1"/>
+          </p:cNvSpPr>
+          <p:nvPr>
+            <p:ph type="sldImg" idx="2"/>
+          </p:nvPr>
+        </p:nvSpPr>
+        <p:spPr>
+          <a:xfrm>
+            <a:off x="685800" y="1143000"/>
+            <a:ext cx="5486400" cy="3086100"/>
+          </a:xfrm>
+          <a:prstGeom prst="rect">
+            <a:avLst/>
+          </a:prstGeom>
+          <a:noFill/>
+          <a:ln w="12700">
+            <a:solidFill>
+              <a:prstClr val="black"/>
+            </a:solidFill>
+          </a:ln>
+        </p:spPr>
+        <p:txBody>
+          <a:bodyPr vert="horz" lIns="91440" tIns="45720" rIns="91440" bIns="45720" rtlCol="0" anchor="ctr"/>
+          <a:lstStyle/>
+          <a:p>
+            <a:endParaRPr lang="ko-KR" altLang="en-US"/>
+          </a:p>
+        </p:txBody>
+      </p:sp>
+      <p:sp>
+        <p:nvSpPr>
+          <p:cNvPr id="5" name="슬라이드 노트 개체 틀 4"/>
+          <p:cNvSpPr>
+            <a:spLocks noGrp="1"/>
+          </p:cNvSpPr>
+          <p:nvPr>
+            <p:ph type="body" sz="quarter" idx="3"/>
+          </p:nvPr>
+        </p:nvSpPr>
+        <p:spPr>
+          <a:xfrm>
+            <a:off x="685800" y="4400550"/>
+            <a:ext cx="5486400" cy="3600450"/>
+          </a:xfrm>
+          <a:prstGeom prst="rect">
+            <a:avLst/>
+          </a:prstGeom>
+        </p:spPr>
+        <p:txBody>
+          <a:bodyPr vert="horz" lIns="91440" tIns="45720" rIns="91440" bIns="45720" rtlCol="0"/>
+          <a:lstStyle/>
+          <a:p>
+            <a:pPr lvl="0"/>
+            <a:r>
+              <a:rPr lang="ko-KR" altLang="en-US"/>
+              <a:t>마스터 텍스트 스타일을 편집하려면 클릭</a:t>
+            </a:r>
+          </a:p>
+          <a:p>
+            <a:pPr lvl="1"/>
+            <a:r>
+              <a:rPr lang="ko-KR" altLang="en-US"/>
+              <a:t>두 번째 수준</a:t>
+            </a:r>
+          </a:p>
+          <a:p>
+            <a:pPr lvl="2"/>
+            <a:r>
+              <a:rPr lang="ko-KR" altLang="en-US"/>
+              <a:t>세 번째 수준</a:t>
+            </a:r>
+          </a:p>
+          <a:p>
+            <a:pPr lvl="3"/>
+            <a:r>
+              <a:rPr lang="ko-KR" altLang="en-US"/>
+              <a:t>네 번째 수준</a:t>
+            </a:r>
+          </a:p>
+          <a:p>
+            <a:pPr lvl="4"/>
+            <a:r>
+              <a:rPr lang="ko-KR" altLang="en-US"/>
+              <a:t>다섯 번째 수준</a:t>
+            </a:r>
+          </a:p>
+        </p:txBody>
+      </p:sp>
+      <p:sp>
+        <p:nvSpPr>
+          <p:cNvPr id="6" name="바닥글 개체 틀 5"/>
+          <p:cNvSpPr>
+            <a:spLocks noGrp="1"/>
+          </p:cNvSpPr>
+          <p:nvPr>
+            <p:ph type="ftr" sz="quarter" idx="4"/>
+          </p:nvPr>
+        </p:nvSpPr>
+        <p:spPr>
+          <a:xfrm>
+            <a:off x="0" y="8685213"/>
+            <a:ext cx="2971800" cy="458787"/>
+          </a:xfrm>
+          <a:prstGeom prst="rect">
+            <a:avLst/>
+          </a:prstGeom>
+        </p:spPr>
+        <p:txBody>
+          <a:bodyPr vert="horz" lIns="91440" tIns="45720" rIns="91440" bIns="45720" rtlCol="0" anchor="b"/>
+          <a:lstStyle>
+            <a:lvl1pPr algn="l">
+              <a:defRPr sz="1200"/>
+            </a:lvl1pPr>
+          </a:lstStyle>
+          <a:p>
+            <a:endParaRPr lang="ko-KR" altLang="en-US"/>
+          </a:p>
+        </p:txBody>
+      </p:sp>
+      <p:sp>
+        <p:nvSpPr>
+          <p:cNvPr id="7" name="슬라이드 번호 개체 틀 6"/>
+          <p:cNvSpPr>
+            <a:spLocks noGrp="1"/>
+          </p:cNvSpPr>
+          <p:nvPr>
+            <p:ph type="sldNum" sz="quarter" idx="5"/>
+          </p:nvPr>
+        </p:nvSpPr>
+        <p:spPr>
+          <a:xfrm>
+            <a:off x="3884613" y="8685213"/>
+            <a:ext cx="2971800" cy="458787"/>
+          </a:xfrm>
+          <a:prstGeom prst="rect">
+            <a:avLst/>
+          </a:prstGeom>
+        </p:spPr>
+        <p:txBody>
+          <a:bodyPr vert="horz" lIns="91440" tIns="45720" rIns="91440" bIns="45720" rtlCol="0" anchor="b"/>
+          <a:lstStyle>
+            <a:lvl1pPr algn="r">
+              <a:defRPr sz="1200"/>
+            </a:lvl1pPr>
+          </a:lstStyle>
+          <a:p>
+            <a:fld id="{438C7CDD-71B0-4AE5-B07B-9AF0D9C3E4FC}" type="slidenum">
+              <a:rPr lang="ko-KR" altLang="en-US" smtClean="0"/>
+              <a:t>‹#›</a:t>
+            </a:fld>
+            <a:endParaRPr lang="ko-KR" altLang="en-US"/>
+          </a:p>
+        </p:txBody>
+      </p:sp>
+    </p:spTree>
     <p:extLst>
-      <p:ext uri="{C676402C-5697-4E1C-873F-D02D1690AC5C}">
-        <p15:threadingInfo xmlns:p15="http://schemas.microsoft.com/office/powerpoint/2012/main" timeZoneBias="-540"/>
+      <p:ext uri="{BB962C8B-B14F-4D97-AF65-F5344CB8AC3E}">
+        <p14:creationId xmlns:p14="http://schemas.microsoft.com/office/powerpoint/2010/main" val="3624691108"/>
       </p:ext>
     </p:extLst>
-  </p:cm>
-</p:cmLst>
+  </p:cSld>
+  <p:clrMap bg1="lt1" tx1="dk1" bg2="lt2" tx2="dk2" accent1="accent1" accent2="accent2" accent3="accent3" accent4="accent4" accent5="accent5" accent6="accent6" hlink="hlink" folHlink="folHlink"/>
+  <p:notesStyle>
+    <a:lvl1pPr marL="0" algn="l" defTabSz="914400" rtl="0" eaLnBrk="1" latinLnBrk="1" hangingPunct="1">
+      <a:defRPr sz="1200" kern="1200">
+        <a:solidFill>
+          <a:schemeClr val="tx1"/>
+        </a:solidFill>
+        <a:latin typeface="+mn-lt"/>
+        <a:ea typeface="+mn-ea"/>
+        <a:cs typeface="+mn-cs"/>
+      </a:defRPr>
+    </a:lvl1pPr>
+    <a:lvl2pPr marL="457200" algn="l" defTabSz="914400" rtl="0" eaLnBrk="1" latinLnBrk="1" hangingPunct="1">
+      <a:defRPr sz="1200" kern="1200">
+        <a:solidFill>
+          <a:schemeClr val="tx1"/>
+        </a:solidFill>
+        <a:latin typeface="+mn-lt"/>
+        <a:ea typeface="+mn-ea"/>
+        <a:cs typeface="+mn-cs"/>
+      </a:defRPr>
+    </a:lvl2pPr>
+    <a:lvl3pPr marL="914400" algn="l" defTabSz="914400" rtl="0" eaLnBrk="1" latinLnBrk="1" hangingPunct="1">
+      <a:defRPr sz="1200" kern="1200">
+        <a:solidFill>
+          <a:schemeClr val="tx1"/>
+        </a:solidFill>
+        <a:latin typeface="+mn-lt"/>
+        <a:ea typeface="+mn-ea"/>
+        <a:cs typeface="+mn-cs"/>
+      </a:defRPr>
+    </a:lvl3pPr>
+    <a:lvl4pPr marL="1371600" algn="l" defTabSz="914400" rtl="0" eaLnBrk="1" latinLnBrk="1" hangingPunct="1">
+      <a:defRPr sz="1200" kern="1200">
+        <a:solidFill>
+          <a:schemeClr val="tx1"/>
+        </a:solidFill>
+        <a:latin typeface="+mn-lt"/>
+        <a:ea typeface="+mn-ea"/>
+        <a:cs typeface="+mn-cs"/>
+      </a:defRPr>
+    </a:lvl4pPr>
+    <a:lvl5pPr marL="1828800" algn="l" defTabSz="914400" rtl="0" eaLnBrk="1" latinLnBrk="1" hangingPunct="1">
+      <a:defRPr sz="1200" kern="1200">
+        <a:solidFill>
+          <a:schemeClr val="tx1"/>
+        </a:solidFill>
+        <a:latin typeface="+mn-lt"/>
+        <a:ea typeface="+mn-ea"/>
+        <a:cs typeface="+mn-cs"/>
+      </a:defRPr>
+    </a:lvl5pPr>
+    <a:lvl6pPr marL="2286000" algn="l" defTabSz="914400" rtl="0" eaLnBrk="1" latinLnBrk="1" hangingPunct="1">
+      <a:defRPr sz="1200" kern="1200">
+        <a:solidFill>
+          <a:schemeClr val="tx1"/>
+        </a:solidFill>
+        <a:latin typeface="+mn-lt"/>
+        <a:ea typeface="+mn-ea"/>
+        <a:cs typeface="+mn-cs"/>
+      </a:defRPr>
+    </a:lvl6pPr>
+    <a:lvl7pPr marL="2743200" algn="l" defTabSz="914400" rtl="0" eaLnBrk="1" latinLnBrk="1" hangingPunct="1">
+      <a:defRPr sz="1200" kern="1200">
+        <a:solidFill>
+          <a:schemeClr val="tx1"/>
+        </a:solidFill>
+        <a:latin typeface="+mn-lt"/>
+        <a:ea typeface="+mn-ea"/>
+        <a:cs typeface="+mn-cs"/>
+      </a:defRPr>
+    </a:lvl7pPr>
+    <a:lvl8pPr marL="3200400" algn="l" defTabSz="914400" rtl="0" eaLnBrk="1" latinLnBrk="1" hangingPunct="1">
+      <a:defRPr sz="1200" kern="1200">
+        <a:solidFill>
+          <a:schemeClr val="tx1"/>
+        </a:solidFill>
+        <a:latin typeface="+mn-lt"/>
+        <a:ea typeface="+mn-ea"/>
+        <a:cs typeface="+mn-cs"/>
+      </a:defRPr>
+    </a:lvl8pPr>
+    <a:lvl9pPr marL="3657600" algn="l" defTabSz="914400" rtl="0" eaLnBrk="1" latinLnBrk="1" hangingPunct="1">
+      <a:defRPr sz="1200" kern="1200">
+        <a:solidFill>
+          <a:schemeClr val="tx1"/>
+        </a:solidFill>
+        <a:latin typeface="+mn-lt"/>
+        <a:ea typeface="+mn-ea"/>
+        <a:cs typeface="+mn-cs"/>
+      </a:defRPr>
+    </a:lvl9pPr>
+  </p:notesStyle>
+</p:notesMaster>
+</file>
+
+<file path=ppt/notesSlides/notesSlide1.xml><?xml version="1.0" encoding="utf-8"?>
+<p:notes xmlns:a="http://schemas.openxmlformats.org/drawingml/2006/main" xmlns:r="http://schemas.openxmlformats.org/officeDocument/2006/relationships" xmlns:p="http://schemas.openxmlformats.org/presentationml/2006/main">
+  <p:cSld>
+    <p:spTree>
+      <p:nvGrpSpPr>
+        <p:cNvPr id="1" name=""/>
+        <p:cNvGrpSpPr/>
+        <p:nvPr/>
+      </p:nvGrpSpPr>
+      <p:grpSpPr>
+        <a:xfrm>
+          <a:off x="0" y="0"/>
+          <a:ext cx="0" cy="0"/>
+          <a:chOff x="0" y="0"/>
+          <a:chExt cx="0" cy="0"/>
+        </a:xfrm>
+      </p:grpSpPr>
+      <p:sp>
+        <p:nvSpPr>
+          <p:cNvPr id="2" name="슬라이드 이미지 개체 틀 1"/>
+          <p:cNvSpPr>
+            <a:spLocks noGrp="1" noRot="1" noChangeAspect="1"/>
+          </p:cNvSpPr>
+          <p:nvPr>
+            <p:ph type="sldImg"/>
+          </p:nvPr>
+        </p:nvSpPr>
+        <p:spPr/>
+      </p:sp>
+      <p:sp>
+        <p:nvSpPr>
+          <p:cNvPr id="3" name="슬라이드 노트 개체 틀 2"/>
+          <p:cNvSpPr>
+            <a:spLocks noGrp="1"/>
+          </p:cNvSpPr>
+          <p:nvPr>
+            <p:ph type="body" idx="1"/>
+          </p:nvPr>
+        </p:nvSpPr>
+        <p:spPr/>
+        <p:txBody>
+          <a:bodyPr/>
+          <a:lstStyle/>
+          <a:p>
+            <a:r>
+              <a:rPr lang="en-US" altLang="ko-KR" dirty="0"/>
+              <a:t>After running this program, this result window will appear</a:t>
+            </a:r>
+          </a:p>
+          <a:p>
+            <a:r>
+              <a:rPr lang="en-US" altLang="ko-KR" dirty="0"/>
+              <a:t>The total number of data is 450664, but in order to exclude data that are too short or too long, we remove the top 5% and the bottom 5% of the data and use the remaining 90%.</a:t>
+            </a:r>
+          </a:p>
+          <a:p>
+            <a:pPr algn="l"/>
+            <a:r>
+              <a:rPr lang="en-US" altLang="ko-KR" b="0" i="0" dirty="0">
+                <a:solidFill>
+                  <a:srgbClr val="202124"/>
+                </a:solidFill>
+                <a:effectLst/>
+                <a:latin typeface="Apple SD Gothic Neo"/>
+              </a:rPr>
+              <a:t>Then, the range of data usage is from 5% to 95%, and the number of data to use is 406139.</a:t>
+            </a:r>
+          </a:p>
+        </p:txBody>
+      </p:sp>
+      <p:sp>
+        <p:nvSpPr>
+          <p:cNvPr id="4" name="슬라이드 번호 개체 틀 3"/>
+          <p:cNvSpPr>
+            <a:spLocks noGrp="1"/>
+          </p:cNvSpPr>
+          <p:nvPr>
+            <p:ph type="sldNum" sz="quarter" idx="5"/>
+          </p:nvPr>
+        </p:nvSpPr>
+        <p:spPr/>
+        <p:txBody>
+          <a:bodyPr/>
+          <a:lstStyle/>
+          <a:p>
+            <a:fld id="{438C7CDD-71B0-4AE5-B07B-9AF0D9C3E4FC}" type="slidenum">
+              <a:rPr lang="ko-KR" altLang="en-US" smtClean="0"/>
+              <a:t>9</a:t>
+            </a:fld>
+            <a:endParaRPr lang="ko-KR" altLang="en-US"/>
+          </a:p>
+        </p:txBody>
+      </p:sp>
+    </p:spTree>
+    <p:extLst>
+      <p:ext uri="{BB962C8B-B14F-4D97-AF65-F5344CB8AC3E}">
+        <p14:creationId xmlns:p14="http://schemas.microsoft.com/office/powerpoint/2010/main" val="2520503579"/>
+      </p:ext>
+    </p:extLst>
+  </p:cSld>
+  <p:clrMapOvr>
+    <a:masterClrMapping/>
+  </p:clrMapOvr>
+</p:notes>
+</file>
+
+<file path=ppt/notesSlides/notesSlide2.xml><?xml version="1.0" encoding="utf-8"?>
+<p:notes xmlns:a="http://schemas.openxmlformats.org/drawingml/2006/main" xmlns:r="http://schemas.openxmlformats.org/officeDocument/2006/relationships" xmlns:p="http://schemas.openxmlformats.org/presentationml/2006/main">
+  <p:cSld>
+    <p:spTree>
+      <p:nvGrpSpPr>
+        <p:cNvPr id="1" name=""/>
+        <p:cNvGrpSpPr/>
+        <p:nvPr/>
+      </p:nvGrpSpPr>
+      <p:grpSpPr>
+        <a:xfrm>
+          <a:off x="0" y="0"/>
+          <a:ext cx="0" cy="0"/>
+          <a:chOff x="0" y="0"/>
+          <a:chExt cx="0" cy="0"/>
+        </a:xfrm>
+      </p:grpSpPr>
+      <p:sp>
+        <p:nvSpPr>
+          <p:cNvPr id="2" name="슬라이드 이미지 개체 틀 1"/>
+          <p:cNvSpPr>
+            <a:spLocks noGrp="1" noRot="1" noChangeAspect="1"/>
+          </p:cNvSpPr>
+          <p:nvPr>
+            <p:ph type="sldImg"/>
+          </p:nvPr>
+        </p:nvSpPr>
+        <p:spPr/>
+      </p:sp>
+      <p:sp>
+        <p:nvSpPr>
+          <p:cNvPr id="3" name="슬라이드 노트 개체 틀 2"/>
+          <p:cNvSpPr>
+            <a:spLocks noGrp="1"/>
+          </p:cNvSpPr>
+          <p:nvPr>
+            <p:ph type="body" idx="1"/>
+          </p:nvPr>
+        </p:nvSpPr>
+        <p:spPr/>
+        <p:txBody>
+          <a:bodyPr/>
+          <a:lstStyle/>
+          <a:p>
+            <a:r>
+              <a:rPr lang="en-US" altLang="ko-KR" dirty="0"/>
+              <a:t>This is the format that is saved to a file after the process is complete, and the data to be used for </a:t>
+            </a:r>
+            <a:r>
+              <a:rPr lang="en-US" altLang="ko-KR" dirty="0" err="1"/>
+              <a:t>fasttext</a:t>
+            </a:r>
+            <a:endParaRPr lang="ko-KR" altLang="en-US" dirty="0"/>
+          </a:p>
+        </p:txBody>
+      </p:sp>
+      <p:sp>
+        <p:nvSpPr>
+          <p:cNvPr id="4" name="슬라이드 번호 개체 틀 3"/>
+          <p:cNvSpPr>
+            <a:spLocks noGrp="1"/>
+          </p:cNvSpPr>
+          <p:nvPr>
+            <p:ph type="sldNum" sz="quarter" idx="5"/>
+          </p:nvPr>
+        </p:nvSpPr>
+        <p:spPr/>
+        <p:txBody>
+          <a:bodyPr/>
+          <a:lstStyle/>
+          <a:p>
+            <a:fld id="{438C7CDD-71B0-4AE5-B07B-9AF0D9C3E4FC}" type="slidenum">
+              <a:rPr lang="ko-KR" altLang="en-US" smtClean="0"/>
+              <a:t>10</a:t>
+            </a:fld>
+            <a:endParaRPr lang="ko-KR" altLang="en-US"/>
+          </a:p>
+        </p:txBody>
+      </p:sp>
+    </p:spTree>
+    <p:extLst>
+      <p:ext uri="{BB962C8B-B14F-4D97-AF65-F5344CB8AC3E}">
+        <p14:creationId xmlns:p14="http://schemas.microsoft.com/office/powerpoint/2010/main" val="356897937"/>
+      </p:ext>
+    </p:extLst>
+  </p:cSld>
+  <p:clrMapOvr>
+    <a:masterClrMapping/>
+  </p:clrMapOvr>
+</p:notes>
 </file>
 
 <file path=ppt/slideLayouts/slideLayout1.xml><?xml version="1.0" encoding="utf-8"?>
@@ -301,7 +837,7 @@
                 </a:solidFill>
               </a:rPr>
               <a:pPr/>
-              <a:t>2021-04-14</a:t>
+              <a:t>2021-04-15</a:t>
             </a:fld>
             <a:endParaRPr lang="ko-KR" altLang="en-US">
               <a:solidFill>
@@ -531,7 +1067,7 @@
                 </a:solidFill>
               </a:rPr>
               <a:pPr/>
-              <a:t>2021-04-14</a:t>
+              <a:t>2021-04-15</a:t>
             </a:fld>
             <a:endParaRPr lang="ko-KR" altLang="en-US">
               <a:solidFill>
@@ -771,7 +1307,7 @@
                 </a:solidFill>
               </a:rPr>
               <a:pPr/>
-              <a:t>2021-04-14</a:t>
+              <a:t>2021-04-15</a:t>
             </a:fld>
             <a:endParaRPr lang="ko-KR" altLang="en-US">
               <a:solidFill>
@@ -1001,7 +1537,7 @@
                 </a:solidFill>
               </a:rPr>
               <a:pPr/>
-              <a:t>2021-04-14</a:t>
+              <a:t>2021-04-15</a:t>
             </a:fld>
             <a:endParaRPr lang="ko-KR" altLang="en-US">
               <a:solidFill>
@@ -1308,7 +1844,7 @@
                 </a:solidFill>
               </a:rPr>
               <a:pPr/>
-              <a:t>2021-04-14</a:t>
+              <a:t>2021-04-15</a:t>
             </a:fld>
             <a:endParaRPr lang="ko-KR" altLang="en-US">
               <a:solidFill>
@@ -1605,7 +2141,7 @@
                 </a:solidFill>
               </a:rPr>
               <a:pPr/>
-              <a:t>2021-04-14</a:t>
+              <a:t>2021-04-15</a:t>
             </a:fld>
             <a:endParaRPr lang="ko-KR" altLang="en-US">
               <a:solidFill>
@@ -2049,7 +2585,7 @@
                 </a:solidFill>
               </a:rPr>
               <a:pPr/>
-              <a:t>2021-04-14</a:t>
+              <a:t>2021-04-15</a:t>
             </a:fld>
             <a:endParaRPr lang="ko-KR" altLang="en-US">
               <a:solidFill>
@@ -2222,7 +2758,7 @@
                 </a:solidFill>
               </a:rPr>
               <a:pPr/>
-              <a:t>2021-04-14</a:t>
+              <a:t>2021-04-15</a:t>
             </a:fld>
             <a:endParaRPr lang="ko-KR" altLang="en-US">
               <a:solidFill>
@@ -2367,7 +2903,7 @@
                 </a:solidFill>
               </a:rPr>
               <a:pPr/>
-              <a:t>2021-04-14</a:t>
+              <a:t>2021-04-15</a:t>
             </a:fld>
             <a:endParaRPr lang="ko-KR" altLang="en-US">
               <a:solidFill>
@@ -2710,7 +3246,7 @@
                 </a:solidFill>
               </a:rPr>
               <a:pPr/>
-              <a:t>2021-04-14</a:t>
+              <a:t>2021-04-15</a:t>
             </a:fld>
             <a:endParaRPr lang="ko-KR" altLang="en-US">
               <a:solidFill>
@@ -3030,7 +3566,7 @@
                 </a:solidFill>
               </a:rPr>
               <a:pPr/>
-              <a:t>2021-04-14</a:t>
+              <a:t>2021-04-15</a:t>
             </a:fld>
             <a:endParaRPr lang="ko-KR" altLang="en-US">
               <a:solidFill>
@@ -3303,7 +3839,7 @@
                 </a:solidFill>
               </a:rPr>
               <a:pPr/>
-              <a:t>2021-04-14</a:t>
+              <a:t>2021-04-15</a:t>
             </a:fld>
             <a:endParaRPr lang="ko-KR" altLang="en-US">
               <a:solidFill>
@@ -5976,7 +6512,13 @@
           <p:cNvGraphicFramePr>
             <a:graphicFrameLocks noGrp="1"/>
           </p:cNvGraphicFramePr>
-          <p:nvPr/>
+          <p:nvPr>
+            <p:extLst>
+              <p:ext uri="{D42A27DB-BD31-4B8C-83A1-F6EECF244321}">
+                <p14:modId xmlns:p14="http://schemas.microsoft.com/office/powerpoint/2010/main" val="1007207625"/>
+              </p:ext>
+            </p:extLst>
+          </p:nvPr>
         </p:nvGraphicFramePr>
         <p:xfrm>
           <a:off x="0" y="423555"/>
@@ -6279,7 +6821,57 @@
                           <a:ea typeface="+mn-ea"/>
                           <a:cs typeface="Aharoni" panose="02010803020104030203" pitchFamily="2" charset="-79"/>
                         </a:rPr>
-                        <a:t>▤ 이상치 제거 및 파일 생성</a:t>
+                        <a:t>▤ 문자 제거 및 </a:t>
+                      </a:r>
+                      <a:endParaRPr kumimoji="0" lang="en-US" altLang="ko-KR" sz="700" b="1" i="0" u="none" strike="noStrike" kern="1200" cap="none" spc="0" normalizeH="0" baseline="0" noProof="0" dirty="0">
+                        <a:ln>
+                          <a:noFill/>
+                        </a:ln>
+                        <a:solidFill>
+                          <a:schemeClr val="bg1"/>
+                        </a:solidFill>
+                        <a:effectLst/>
+                        <a:uLnTx/>
+                        <a:uFillTx/>
+                        <a:latin typeface="+mn-lt"/>
+                        <a:ea typeface="+mn-ea"/>
+                        <a:cs typeface="Aharoni" panose="02010803020104030203" pitchFamily="2" charset="-79"/>
+                      </a:endParaRPr>
+                    </a:p>
+                    <a:p>
+                      <a:pPr marL="0" marR="0" lvl="0" indent="0" algn="l" defTabSz="914400" rtl="0" eaLnBrk="1" fontAlgn="auto" latinLnBrk="1" hangingPunct="1">
+                        <a:lnSpc>
+                          <a:spcPct val="150000"/>
+                        </a:lnSpc>
+                        <a:spcBef>
+                          <a:spcPts val="0"/>
+                        </a:spcBef>
+                        <a:spcAft>
+                          <a:spcPts val="0"/>
+                        </a:spcAft>
+                        <a:buClrTx/>
+                        <a:buSzTx/>
+                        <a:buFontTx/>
+                        <a:buNone/>
+                        <a:tabLst/>
+                        <a:defRPr/>
+                      </a:pPr>
+                      <a:r>
+                        <a:rPr kumimoji="0" lang="ko-KR" altLang="en-US" sz="700" b="1" i="0" u="none" strike="noStrike" kern="1200" cap="none" spc="0" normalizeH="0" baseline="0" noProof="0" dirty="0">
+                          <a:ln>
+                            <a:noFill/>
+                          </a:ln>
+                          <a:solidFill>
+                            <a:schemeClr val="bg1"/>
+                          </a:solidFill>
+                          <a:effectLst/>
+                          <a:uLnTx/>
+                          <a:uFillTx/>
+                          <a:latin typeface="+mn-lt"/>
+                          <a:ea typeface="+mn-ea"/>
+                          <a:cs typeface="Aharoni" panose="02010803020104030203" pitchFamily="2" charset="-79"/>
+                        </a:rPr>
+                        <a:t>파일 생성</a:t>
                       </a:r>
                       <a:endParaRPr kumimoji="0" lang="en-US" altLang="ko-KR" sz="700" b="1" i="0" u="none" strike="noStrike" kern="1200" cap="none" spc="0" normalizeH="0" baseline="0" noProof="0" dirty="0">
                         <a:ln>
@@ -6346,7 +6938,7 @@
           <p:nvPr/>
         </p:nvPicPr>
         <p:blipFill>
-          <a:blip r:embed="rId2"/>
+          <a:blip r:embed="rId3"/>
           <a:stretch>
             <a:fillRect/>
           </a:stretch>
@@ -6568,7 +7160,7 @@
           <p:nvPr>
             <p:extLst>
               <p:ext uri="{D42A27DB-BD31-4B8C-83A1-F6EECF244321}">
-                <p14:modId xmlns:p14="http://schemas.microsoft.com/office/powerpoint/2010/main" val="803471999"/>
+                <p14:modId xmlns:p14="http://schemas.microsoft.com/office/powerpoint/2010/main" val="1799963419"/>
               </p:ext>
             </p:extLst>
           </p:nvPr>
@@ -6874,7 +7466,7 @@
                           <a:ea typeface="+mn-ea"/>
                           <a:cs typeface="Aharoni" panose="02010803020104030203" pitchFamily="2" charset="-79"/>
                         </a:rPr>
-                        <a:t>▤ 이상치 제거 및  파일 생성</a:t>
+                        <a:t>▤ 문자 제거 및  파일 생성</a:t>
                       </a:r>
                     </a:p>
                   </a:txBody>
@@ -10657,7 +11249,7 @@
                   </a:prstClr>
                 </a:solidFill>
               </a:rPr>
-              <a:t>이상치 제거 후 일정 비율의 데이터를 파일에 저장</a:t>
+              <a:t>문자 제거 후 일정 비율의 데이터를 파일에 저장</a:t>
             </a:r>
           </a:p>
         </p:txBody>
@@ -12232,7 +12824,7 @@
           <p:nvPr>
             <p:extLst>
               <p:ext uri="{D42A27DB-BD31-4B8C-83A1-F6EECF244321}">
-                <p14:modId xmlns:p14="http://schemas.microsoft.com/office/powerpoint/2010/main" val="806287322"/>
+                <p14:modId xmlns:p14="http://schemas.microsoft.com/office/powerpoint/2010/main" val="1706913258"/>
               </p:ext>
             </p:extLst>
           </p:nvPr>
@@ -12524,7 +13116,7 @@
                           <a:ea typeface="+mn-ea"/>
                           <a:cs typeface="Aharoni" panose="02010803020104030203" pitchFamily="2" charset="-79"/>
                         </a:rPr>
-                        <a:t>▤ 이상치 제거 및  파일 생성</a:t>
+                        <a:t>▤ 문자 제거 및  파일 생성</a:t>
                       </a:r>
                     </a:p>
                   </a:txBody>
@@ -14011,7 +14603,13 @@
           <p:cNvGraphicFramePr>
             <a:graphicFrameLocks noGrp="1"/>
           </p:cNvGraphicFramePr>
-          <p:nvPr/>
+          <p:nvPr>
+            <p:extLst>
+              <p:ext uri="{D42A27DB-BD31-4B8C-83A1-F6EECF244321}">
+                <p14:modId xmlns:p14="http://schemas.microsoft.com/office/powerpoint/2010/main" val="1893101891"/>
+              </p:ext>
+            </p:extLst>
+          </p:nvPr>
         </p:nvGraphicFramePr>
         <p:xfrm>
           <a:off x="0" y="423555"/>
@@ -14300,7 +14898,7 @@
                           <a:ea typeface="+mn-ea"/>
                           <a:cs typeface="Aharoni" panose="02010803020104030203" pitchFamily="2" charset="-79"/>
                         </a:rPr>
-                        <a:t>▤ 이상치 제거 및  파일 생성</a:t>
+                        <a:t>▤ 문자 제거 및  파일 생성</a:t>
                       </a:r>
                     </a:p>
                   </a:txBody>
@@ -16782,7 +17380,13 @@
           <p:cNvGraphicFramePr>
             <a:graphicFrameLocks noGrp="1"/>
           </p:cNvGraphicFramePr>
-          <p:nvPr/>
+          <p:nvPr>
+            <p:extLst>
+              <p:ext uri="{D42A27DB-BD31-4B8C-83A1-F6EECF244321}">
+                <p14:modId xmlns:p14="http://schemas.microsoft.com/office/powerpoint/2010/main" val="3594844796"/>
+              </p:ext>
+            </p:extLst>
+          </p:nvPr>
         </p:nvGraphicFramePr>
         <p:xfrm>
           <a:off x="0" y="423555"/>
@@ -17071,7 +17675,7 @@
                           <a:ea typeface="+mn-ea"/>
                           <a:cs typeface="Aharoni" panose="02010803020104030203" pitchFamily="2" charset="-79"/>
                         </a:rPr>
-                        <a:t>▤ 이상치 제거 및  파일 생성</a:t>
+                        <a:t>▤ 문자 제거 및  파일 생성</a:t>
                       </a:r>
                     </a:p>
                   </a:txBody>
@@ -18512,7 +19116,7 @@
           <p:nvPr>
             <p:extLst>
               <p:ext uri="{D42A27DB-BD31-4B8C-83A1-F6EECF244321}">
-                <p14:modId xmlns:p14="http://schemas.microsoft.com/office/powerpoint/2010/main" val="2065427992"/>
+                <p14:modId xmlns:p14="http://schemas.microsoft.com/office/powerpoint/2010/main" val="3430598969"/>
               </p:ext>
             </p:extLst>
           </p:nvPr>
@@ -18804,7 +19408,7 @@
                           <a:ea typeface="+mn-ea"/>
                           <a:cs typeface="Aharoni" panose="02010803020104030203" pitchFamily="2" charset="-79"/>
                         </a:rPr>
-                        <a:t>▤ 이상치 제거 및  파일 생성</a:t>
+                        <a:t>▤ 문자 제거 및  파일 생성</a:t>
                       </a:r>
                     </a:p>
                   </a:txBody>
@@ -21873,7 +22477,7 @@
           <p:nvPr>
             <p:extLst>
               <p:ext uri="{D42A27DB-BD31-4B8C-83A1-F6EECF244321}">
-                <p14:modId xmlns:p14="http://schemas.microsoft.com/office/powerpoint/2010/main" val="1107377318"/>
+                <p14:modId xmlns:p14="http://schemas.microsoft.com/office/powerpoint/2010/main" val="868457058"/>
               </p:ext>
             </p:extLst>
           </p:nvPr>
@@ -22179,7 +22783,57 @@
                           <a:ea typeface="+mn-ea"/>
                           <a:cs typeface="Aharoni" panose="02010803020104030203" pitchFamily="2" charset="-79"/>
                         </a:rPr>
-                        <a:t>▤ 이상치 제거 및 파일 생성</a:t>
+                        <a:t>▤ 문자 제거 및 </a:t>
+                      </a:r>
+                      <a:endParaRPr kumimoji="0" lang="en-US" altLang="ko-KR" sz="700" b="1" i="0" u="none" strike="noStrike" kern="1200" cap="none" spc="0" normalizeH="0" baseline="0" noProof="0" dirty="0">
+                        <a:ln>
+                          <a:noFill/>
+                        </a:ln>
+                        <a:solidFill>
+                          <a:schemeClr val="bg1"/>
+                        </a:solidFill>
+                        <a:effectLst/>
+                        <a:uLnTx/>
+                        <a:uFillTx/>
+                        <a:latin typeface="+mn-lt"/>
+                        <a:ea typeface="+mn-ea"/>
+                        <a:cs typeface="Aharoni" panose="02010803020104030203" pitchFamily="2" charset="-79"/>
+                      </a:endParaRPr>
+                    </a:p>
+                    <a:p>
+                      <a:pPr marL="0" marR="0" lvl="0" indent="0" algn="l" defTabSz="914400" rtl="0" eaLnBrk="1" fontAlgn="auto" latinLnBrk="1" hangingPunct="1">
+                        <a:lnSpc>
+                          <a:spcPct val="150000"/>
+                        </a:lnSpc>
+                        <a:spcBef>
+                          <a:spcPts val="0"/>
+                        </a:spcBef>
+                        <a:spcAft>
+                          <a:spcPts val="0"/>
+                        </a:spcAft>
+                        <a:buClrTx/>
+                        <a:buSzTx/>
+                        <a:buFontTx/>
+                        <a:buNone/>
+                        <a:tabLst/>
+                        <a:defRPr/>
+                      </a:pPr>
+                      <a:r>
+                        <a:rPr kumimoji="0" lang="ko-KR" altLang="en-US" sz="700" b="1" i="0" u="none" strike="noStrike" kern="1200" cap="none" spc="0" normalizeH="0" baseline="0" noProof="0" dirty="0">
+                          <a:ln>
+                            <a:noFill/>
+                          </a:ln>
+                          <a:solidFill>
+                            <a:schemeClr val="bg1"/>
+                          </a:solidFill>
+                          <a:effectLst/>
+                          <a:uLnTx/>
+                          <a:uFillTx/>
+                          <a:latin typeface="+mn-lt"/>
+                          <a:ea typeface="+mn-ea"/>
+                          <a:cs typeface="Aharoni" panose="02010803020104030203" pitchFamily="2" charset="-79"/>
+                        </a:rPr>
+                        <a:t>파일 생성</a:t>
                       </a:r>
                       <a:endParaRPr kumimoji="0" lang="en-US" altLang="ko-KR" sz="700" b="1" i="0" u="none" strike="noStrike" kern="1200" cap="none" spc="0" normalizeH="0" baseline="0" noProof="0" dirty="0">
                         <a:ln>
@@ -26378,7 +27032,13 @@
           <p:cNvGraphicFramePr>
             <a:graphicFrameLocks noGrp="1"/>
           </p:cNvGraphicFramePr>
-          <p:nvPr/>
+          <p:nvPr>
+            <p:extLst>
+              <p:ext uri="{D42A27DB-BD31-4B8C-83A1-F6EECF244321}">
+                <p14:modId xmlns:p14="http://schemas.microsoft.com/office/powerpoint/2010/main" val="4262968504"/>
+              </p:ext>
+            </p:extLst>
+          </p:nvPr>
         </p:nvGraphicFramePr>
         <p:xfrm>
           <a:off x="0" y="423555"/>
@@ -26681,7 +27341,57 @@
                           <a:ea typeface="+mn-ea"/>
                           <a:cs typeface="Aharoni" panose="02010803020104030203" pitchFamily="2" charset="-79"/>
                         </a:rPr>
-                        <a:t>▤ 이상치 제거 및 파일 생성</a:t>
+                        <a:t>▤ 문자 제거 및 </a:t>
+                      </a:r>
+                      <a:endParaRPr kumimoji="0" lang="en-US" altLang="ko-KR" sz="700" b="1" i="0" u="none" strike="noStrike" kern="1200" cap="none" spc="0" normalizeH="0" baseline="0" noProof="0" dirty="0">
+                        <a:ln>
+                          <a:noFill/>
+                        </a:ln>
+                        <a:solidFill>
+                          <a:schemeClr val="bg1"/>
+                        </a:solidFill>
+                        <a:effectLst/>
+                        <a:uLnTx/>
+                        <a:uFillTx/>
+                        <a:latin typeface="+mn-lt"/>
+                        <a:ea typeface="+mn-ea"/>
+                        <a:cs typeface="Aharoni" panose="02010803020104030203" pitchFamily="2" charset="-79"/>
+                      </a:endParaRPr>
+                    </a:p>
+                    <a:p>
+                      <a:pPr marL="0" marR="0" lvl="0" indent="0" algn="l" defTabSz="914400" rtl="0" eaLnBrk="1" fontAlgn="auto" latinLnBrk="1" hangingPunct="1">
+                        <a:lnSpc>
+                          <a:spcPct val="150000"/>
+                        </a:lnSpc>
+                        <a:spcBef>
+                          <a:spcPts val="0"/>
+                        </a:spcBef>
+                        <a:spcAft>
+                          <a:spcPts val="0"/>
+                        </a:spcAft>
+                        <a:buClrTx/>
+                        <a:buSzTx/>
+                        <a:buFontTx/>
+                        <a:buNone/>
+                        <a:tabLst/>
+                        <a:defRPr/>
+                      </a:pPr>
+                      <a:r>
+                        <a:rPr kumimoji="0" lang="ko-KR" altLang="en-US" sz="700" b="1" i="0" u="none" strike="noStrike" kern="1200" cap="none" spc="0" normalizeH="0" baseline="0" noProof="0" dirty="0">
+                          <a:ln>
+                            <a:noFill/>
+                          </a:ln>
+                          <a:solidFill>
+                            <a:schemeClr val="bg1"/>
+                          </a:solidFill>
+                          <a:effectLst/>
+                          <a:uLnTx/>
+                          <a:uFillTx/>
+                          <a:latin typeface="+mn-lt"/>
+                          <a:ea typeface="+mn-ea"/>
+                          <a:cs typeface="Aharoni" panose="02010803020104030203" pitchFamily="2" charset="-79"/>
+                        </a:rPr>
+                        <a:t>파일 생성</a:t>
                       </a:r>
                       <a:endParaRPr kumimoji="0" lang="en-US" altLang="ko-KR" sz="700" b="1" i="0" u="none" strike="noStrike" kern="1200" cap="none" spc="0" normalizeH="0" baseline="0" noProof="0" dirty="0">
                         <a:ln>
@@ -27922,7 +28632,7 @@
           <a:prstGeom prst="arc">
             <a:avLst>
               <a:gd name="adj1" fmla="val 16200000"/>
-              <a:gd name="adj2" fmla="val 12424419"/>
+              <a:gd name="adj2" fmla="val 13754647"/>
             </a:avLst>
           </a:prstGeom>
           <a:ln w="28575">
@@ -28039,12 +28749,12 @@
               </a:lnSpc>
             </a:pPr>
             <a:r>
-              <a:rPr lang="ko-KR" altLang="en-US" sz="1400" b="1" dirty="0">
+              <a:rPr lang="en-US" altLang="ko-KR" sz="1400" b="1" dirty="0">
                 <a:solidFill>
                   <a:srgbClr val="B2BCC6"/>
                 </a:solidFill>
               </a:rPr>
-              <a:t>사용 할 데이터 비율</a:t>
+              <a:t>Percentage of data to use</a:t>
             </a:r>
             <a:endParaRPr lang="ko-KR" altLang="en-US" sz="800" dirty="0">
               <a:solidFill>
@@ -28081,12 +28791,12 @@
               </a:lnSpc>
             </a:pPr>
             <a:r>
-              <a:rPr lang="ko-KR" altLang="en-US" sz="1400" b="1" dirty="0">
+              <a:rPr lang="en-US" altLang="ko-KR" sz="1400" b="1" dirty="0">
                 <a:solidFill>
                   <a:srgbClr val="B2BCC6"/>
                 </a:solidFill>
               </a:rPr>
-              <a:t>데이터 사용 범위</a:t>
+              <a:t>Data Usage Range</a:t>
             </a:r>
             <a:endParaRPr lang="en-US" altLang="ko-KR" sz="1400" b="1" dirty="0">
               <a:solidFill>
@@ -28215,21 +28925,18 @@
               </a:lnSpc>
             </a:pPr>
             <a:r>
-              <a:rPr lang="ko-KR" altLang="en-US" sz="1400" b="1" dirty="0">
+              <a:rPr lang="en-US" altLang="ko-KR" sz="1400" b="1" dirty="0">
                 <a:solidFill>
                   <a:srgbClr val="B2BCC6"/>
                 </a:solidFill>
               </a:rPr>
-              <a:t>전체 데이터  개수</a:t>
-            </a:r>
-            <a:r>
-              <a:rPr lang="en-US" altLang="ko-KR" sz="1400" b="1" dirty="0">
-                <a:solidFill>
-                  <a:srgbClr val="7FBBDF"/>
-                </a:solidFill>
-              </a:rPr>
-              <a:t> </a:t>
-            </a:r>
+              <a:t>Total number of data</a:t>
+            </a:r>
+            <a:endParaRPr lang="en-US" altLang="ko-KR" sz="1400" b="1" dirty="0">
+              <a:solidFill>
+                <a:srgbClr val="7FBBDF"/>
+              </a:solidFill>
+            </a:endParaRPr>
           </a:p>
           <a:p>
             <a:pPr algn="ctr">
@@ -28282,20 +28989,12 @@
               </a:lnSpc>
             </a:pPr>
             <a:r>
-              <a:rPr lang="ko-KR" altLang="en-US" sz="1400" b="1" dirty="0">
+              <a:rPr lang="en-US" altLang="ko-KR" sz="1400" b="1" dirty="0">
                 <a:solidFill>
                   <a:srgbClr val="B2BCC6"/>
                 </a:solidFill>
               </a:rPr>
-              <a:t>사용할 데이터 개수</a:t>
-            </a:r>
-            <a:r>
-              <a:rPr lang="en-US" altLang="ko-KR" sz="1400" b="1" dirty="0">
-                <a:solidFill>
-                  <a:srgbClr val="B2BCC6"/>
-                </a:solidFill>
-              </a:rPr>
-              <a:t> </a:t>
+              <a:t>Number of data to use</a:t>
             </a:r>
           </a:p>
           <a:p>
@@ -28425,7 +29124,13 @@
           <p:cNvGraphicFramePr>
             <a:graphicFrameLocks noGrp="1"/>
           </p:cNvGraphicFramePr>
-          <p:nvPr/>
+          <p:nvPr>
+            <p:extLst>
+              <p:ext uri="{D42A27DB-BD31-4B8C-83A1-F6EECF244321}">
+                <p14:modId xmlns:p14="http://schemas.microsoft.com/office/powerpoint/2010/main" val="4092513824"/>
+              </p:ext>
+            </p:extLst>
+          </p:nvPr>
         </p:nvGraphicFramePr>
         <p:xfrm>
           <a:off x="0" y="423555"/>
@@ -28728,7 +29433,57 @@
                           <a:ea typeface="+mn-ea"/>
                           <a:cs typeface="Aharoni" panose="02010803020104030203" pitchFamily="2" charset="-79"/>
                         </a:rPr>
-                        <a:t>▤ 이상치 제거 및 파일 생성</a:t>
+                        <a:t>▤ 문자 제거 및 </a:t>
+                      </a:r>
+                      <a:endParaRPr kumimoji="0" lang="en-US" altLang="ko-KR" sz="700" b="1" i="0" u="none" strike="noStrike" kern="1200" cap="none" spc="0" normalizeH="0" baseline="0" noProof="0" dirty="0">
+                        <a:ln>
+                          <a:noFill/>
+                        </a:ln>
+                        <a:solidFill>
+                          <a:schemeClr val="bg1"/>
+                        </a:solidFill>
+                        <a:effectLst/>
+                        <a:uLnTx/>
+                        <a:uFillTx/>
+                        <a:latin typeface="+mn-lt"/>
+                        <a:ea typeface="+mn-ea"/>
+                        <a:cs typeface="Aharoni" panose="02010803020104030203" pitchFamily="2" charset="-79"/>
+                      </a:endParaRPr>
+                    </a:p>
+                    <a:p>
+                      <a:pPr marL="0" marR="0" lvl="0" indent="0" algn="l" defTabSz="914400" rtl="0" eaLnBrk="1" fontAlgn="auto" latinLnBrk="1" hangingPunct="1">
+                        <a:lnSpc>
+                          <a:spcPct val="150000"/>
+                        </a:lnSpc>
+                        <a:spcBef>
+                          <a:spcPts val="0"/>
+                        </a:spcBef>
+                        <a:spcAft>
+                          <a:spcPts val="0"/>
+                        </a:spcAft>
+                        <a:buClrTx/>
+                        <a:buSzTx/>
+                        <a:buFontTx/>
+                        <a:buNone/>
+                        <a:tabLst/>
+                        <a:defRPr/>
+                      </a:pPr>
+                      <a:r>
+                        <a:rPr kumimoji="0" lang="ko-KR" altLang="en-US" sz="700" b="1" i="0" u="none" strike="noStrike" kern="1200" cap="none" spc="0" normalizeH="0" baseline="0" noProof="0" dirty="0">
+                          <a:ln>
+                            <a:noFill/>
+                          </a:ln>
+                          <a:solidFill>
+                            <a:schemeClr val="bg1"/>
+                          </a:solidFill>
+                          <a:effectLst/>
+                          <a:uLnTx/>
+                          <a:uFillTx/>
+                          <a:latin typeface="+mn-lt"/>
+                          <a:ea typeface="+mn-ea"/>
+                          <a:cs typeface="Aharoni" panose="02010803020104030203" pitchFamily="2" charset="-79"/>
+                        </a:rPr>
+                        <a:t>파일 생성</a:t>
                       </a:r>
                       <a:endParaRPr kumimoji="0" lang="en-US" altLang="ko-KR" sz="700" b="1" i="0" u="none" strike="noStrike" kern="1200" cap="none" spc="0" normalizeH="0" baseline="0" noProof="0" dirty="0">
                         <a:ln>
@@ -28795,7 +29550,7 @@
           <p:nvPr/>
         </p:nvPicPr>
         <p:blipFill>
-          <a:blip r:embed="rId2"/>
+          <a:blip r:embed="rId3"/>
           <a:stretch>
             <a:fillRect/>
           </a:stretch>
@@ -29116,4 +29871,299 @@
     </a:ext>
   </a:extLst>
 </a:theme>
+</file>
+
+<file path=ppt/theme/theme2.xml><?xml version="1.0" encoding="utf-8"?>
+<a:theme xmlns:a="http://schemas.openxmlformats.org/drawingml/2006/main" name="Office 테마">
+  <a:themeElements>
+    <a:clrScheme name="Office">
+      <a:dk1>
+        <a:sysClr val="windowText" lastClr="000000"/>
+      </a:dk1>
+      <a:lt1>
+        <a:sysClr val="window" lastClr="FFFFFF"/>
+      </a:lt1>
+      <a:dk2>
+        <a:srgbClr val="44546A"/>
+      </a:dk2>
+      <a:lt2>
+        <a:srgbClr val="E7E6E6"/>
+      </a:lt2>
+      <a:accent1>
+        <a:srgbClr val="4472C4"/>
+      </a:accent1>
+      <a:accent2>
+        <a:srgbClr val="ED7D31"/>
+      </a:accent2>
+      <a:accent3>
+        <a:srgbClr val="A5A5A5"/>
+      </a:accent3>
+      <a:accent4>
+        <a:srgbClr val="FFC000"/>
+      </a:accent4>
+      <a:accent5>
+        <a:srgbClr val="5B9BD5"/>
+      </a:accent5>
+      <a:accent6>
+        <a:srgbClr val="70AD47"/>
+      </a:accent6>
+      <a:hlink>
+        <a:srgbClr val="0563C1"/>
+      </a:hlink>
+      <a:folHlink>
+        <a:srgbClr val="954F72"/>
+      </a:folHlink>
+    </a:clrScheme>
+    <a:fontScheme name="Office">
+      <a:majorFont>
+        <a:latin typeface="맑은 고딕" panose="020F0302020204030204"/>
+        <a:ea typeface=""/>
+        <a:cs typeface=""/>
+        <a:font script="Jpan" typeface="游ゴシック Light"/>
+        <a:font script="Hang" typeface="맑은 고딕"/>
+        <a:font script="Hans" typeface="等线 Light"/>
+        <a:font script="Hant" typeface="新細明體"/>
+        <a:font script="Arab" typeface="Times New Roman"/>
+        <a:font script="Hebr" typeface="Times New Roman"/>
+        <a:font script="Thai" typeface="Angsana New"/>
+        <a:font script="Ethi" typeface="Nyala"/>
+        <a:font script="Beng" typeface="Vrinda"/>
+        <a:font script="Gujr" typeface="Shruti"/>
+        <a:font script="Khmr" typeface="MoolBoran"/>
+        <a:font script="Knda" typeface="Tunga"/>
+        <a:font script="Guru" typeface="Raavi"/>
+        <a:font script="Cans" typeface="Euphemia"/>
+        <a:font script="Cher" typeface="Plantagenet Cherokee"/>
+        <a:font script="Yiii" typeface="Microsoft Yi Baiti"/>
+        <a:font script="Tibt" typeface="Microsoft Himalaya"/>
+        <a:font script="Thaa" typeface="MV Boli"/>
+        <a:font script="Deva" typeface="Mangal"/>
+        <a:font script="Telu" typeface="Gautami"/>
+        <a:font script="Taml" typeface="Latha"/>
+        <a:font script="Syrc" typeface="Estrangelo Edessa"/>
+        <a:font script="Orya" typeface="Kalinga"/>
+        <a:font script="Mlym" typeface="Kartika"/>
+        <a:font script="Laoo" typeface="DokChampa"/>
+        <a:font script="Sinh" typeface="Iskoola Pota"/>
+        <a:font script="Mong" typeface="Mongolian Baiti"/>
+        <a:font script="Viet" typeface="Times New Roman"/>
+        <a:font script="Uigh" typeface="Microsoft Uighur"/>
+        <a:font script="Geor" typeface="Sylfaen"/>
+        <a:font script="Armn" typeface="Arial"/>
+        <a:font script="Bugi" typeface="Leelawadee UI"/>
+        <a:font script="Bopo" typeface="Microsoft JhengHei"/>
+        <a:font script="Java" typeface="Javanese Text"/>
+        <a:font script="Lisu" typeface="Segoe UI"/>
+        <a:font script="Mymr" typeface="Myanmar Text"/>
+        <a:font script="Nkoo" typeface="Ebrima"/>
+        <a:font script="Olck" typeface="Nirmala UI"/>
+        <a:font script="Osma" typeface="Ebrima"/>
+        <a:font script="Phag" typeface="Phagspa"/>
+        <a:font script="Syrn" typeface="Estrangelo Edessa"/>
+        <a:font script="Syrj" typeface="Estrangelo Edessa"/>
+        <a:font script="Syre" typeface="Estrangelo Edessa"/>
+        <a:font script="Sora" typeface="Nirmala UI"/>
+        <a:font script="Tale" typeface="Microsoft Tai Le"/>
+        <a:font script="Talu" typeface="Microsoft New Tai Lue"/>
+        <a:font script="Tfng" typeface="Ebrima"/>
+      </a:majorFont>
+      <a:minorFont>
+        <a:latin typeface="맑은 고딕" panose="020F0502020204030204"/>
+        <a:ea typeface=""/>
+        <a:cs typeface=""/>
+        <a:font script="Jpan" typeface="游ゴシック"/>
+        <a:font script="Hang" typeface="맑은 고딕"/>
+        <a:font script="Hans" typeface="等线"/>
+        <a:font script="Hant" typeface="新細明體"/>
+        <a:font script="Arab" typeface="Arial"/>
+        <a:font script="Hebr" typeface="Arial"/>
+        <a:font script="Thai" typeface="Cordia New"/>
+        <a:font script="Ethi" typeface="Nyala"/>
+        <a:font script="Beng" typeface="Vrinda"/>
+        <a:font script="Gujr" typeface="Shruti"/>
+        <a:font script="Khmr" typeface="DaunPenh"/>
+        <a:font script="Knda" typeface="Tunga"/>
+        <a:font script="Guru" typeface="Raavi"/>
+        <a:font script="Cans" typeface="Euphemia"/>
+        <a:font script="Cher" typeface="Plantagenet Cherokee"/>
+        <a:font script="Yiii" typeface="Microsoft Yi Baiti"/>
+        <a:font script="Tibt" typeface="Microsoft Himalaya"/>
+        <a:font script="Thaa" typeface="MV Boli"/>
+        <a:font script="Deva" typeface="Mangal"/>
+        <a:font script="Telu" typeface="Gautami"/>
+        <a:font script="Taml" typeface="Latha"/>
+        <a:font script="Syrc" typeface="Estrangelo Edessa"/>
+        <a:font script="Orya" typeface="Kalinga"/>
+        <a:font script="Mlym" typeface="Kartika"/>
+        <a:font script="Laoo" typeface="DokChampa"/>
+        <a:font script="Sinh" typeface="Iskoola Pota"/>
+        <a:font script="Mong" typeface="Mongolian Baiti"/>
+        <a:font script="Viet" typeface="Arial"/>
+        <a:font script="Uigh" typeface="Microsoft Uighur"/>
+        <a:font script="Geor" typeface="Sylfaen"/>
+        <a:font script="Armn" typeface="Arial"/>
+        <a:font script="Bugi" typeface="Leelawadee UI"/>
+        <a:font script="Bopo" typeface="Microsoft JhengHei"/>
+        <a:font script="Java" typeface="Javanese Text"/>
+        <a:font script="Lisu" typeface="Segoe UI"/>
+        <a:font script="Mymr" typeface="Myanmar Text"/>
+        <a:font script="Nkoo" typeface="Ebrima"/>
+        <a:font script="Olck" typeface="Nirmala UI"/>
+        <a:font script="Osma" typeface="Ebrima"/>
+        <a:font script="Phag" typeface="Phagspa"/>
+        <a:font script="Syrn" typeface="Estrangelo Edessa"/>
+        <a:font script="Syrj" typeface="Estrangelo Edessa"/>
+        <a:font script="Syre" typeface="Estrangelo Edessa"/>
+        <a:font script="Sora" typeface="Nirmala UI"/>
+        <a:font script="Tale" typeface="Microsoft Tai Le"/>
+        <a:font script="Talu" typeface="Microsoft New Tai Lue"/>
+        <a:font script="Tfng" typeface="Ebrima"/>
+      </a:minorFont>
+    </a:fontScheme>
+    <a:fmtScheme name="Office">
+      <a:fillStyleLst>
+        <a:solidFill>
+          <a:schemeClr val="phClr"/>
+        </a:solidFill>
+        <a:gradFill rotWithShape="1">
+          <a:gsLst>
+            <a:gs pos="0">
+              <a:schemeClr val="phClr">
+                <a:lumMod val="110000"/>
+                <a:satMod val="105000"/>
+                <a:tint val="67000"/>
+              </a:schemeClr>
+            </a:gs>
+            <a:gs pos="50000">
+              <a:schemeClr val="phClr">
+                <a:lumMod val="105000"/>
+                <a:satMod val="103000"/>
+                <a:tint val="73000"/>
+              </a:schemeClr>
+            </a:gs>
+            <a:gs pos="100000">
+              <a:schemeClr val="phClr">
+                <a:lumMod val="105000"/>
+                <a:satMod val="109000"/>
+                <a:tint val="81000"/>
+              </a:schemeClr>
+            </a:gs>
+          </a:gsLst>
+          <a:lin ang="5400000" scaled="0"/>
+        </a:gradFill>
+        <a:gradFill rotWithShape="1">
+          <a:gsLst>
+            <a:gs pos="0">
+              <a:schemeClr val="phClr">
+                <a:satMod val="103000"/>
+                <a:lumMod val="102000"/>
+                <a:tint val="94000"/>
+              </a:schemeClr>
+            </a:gs>
+            <a:gs pos="50000">
+              <a:schemeClr val="phClr">
+                <a:satMod val="110000"/>
+                <a:lumMod val="100000"/>
+                <a:shade val="100000"/>
+              </a:schemeClr>
+            </a:gs>
+            <a:gs pos="100000">
+              <a:schemeClr val="phClr">
+                <a:lumMod val="99000"/>
+                <a:satMod val="120000"/>
+                <a:shade val="78000"/>
+              </a:schemeClr>
+            </a:gs>
+          </a:gsLst>
+          <a:lin ang="5400000" scaled="0"/>
+        </a:gradFill>
+      </a:fillStyleLst>
+      <a:lnStyleLst>
+        <a:ln w="6350" cap="flat" cmpd="sng" algn="ctr">
+          <a:solidFill>
+            <a:schemeClr val="phClr"/>
+          </a:solidFill>
+          <a:prstDash val="solid"/>
+          <a:miter lim="800000"/>
+        </a:ln>
+        <a:ln w="12700" cap="flat" cmpd="sng" algn="ctr">
+          <a:solidFill>
+            <a:schemeClr val="phClr"/>
+          </a:solidFill>
+          <a:prstDash val="solid"/>
+          <a:miter lim="800000"/>
+        </a:ln>
+        <a:ln w="19050" cap="flat" cmpd="sng" algn="ctr">
+          <a:solidFill>
+            <a:schemeClr val="phClr"/>
+          </a:solidFill>
+          <a:prstDash val="solid"/>
+          <a:miter lim="800000"/>
+        </a:ln>
+      </a:lnStyleLst>
+      <a:effectStyleLst>
+        <a:effectStyle>
+          <a:effectLst/>
+        </a:effectStyle>
+        <a:effectStyle>
+          <a:effectLst/>
+        </a:effectStyle>
+        <a:effectStyle>
+          <a:effectLst>
+            <a:outerShdw blurRad="57150" dist="19050" dir="5400000" algn="ctr" rotWithShape="0">
+              <a:srgbClr val="000000">
+                <a:alpha val="63000"/>
+              </a:srgbClr>
+            </a:outerShdw>
+          </a:effectLst>
+        </a:effectStyle>
+      </a:effectStyleLst>
+      <a:bgFillStyleLst>
+        <a:solidFill>
+          <a:schemeClr val="phClr"/>
+        </a:solidFill>
+        <a:solidFill>
+          <a:schemeClr val="phClr">
+            <a:tint val="95000"/>
+            <a:satMod val="170000"/>
+          </a:schemeClr>
+        </a:solidFill>
+        <a:gradFill rotWithShape="1">
+          <a:gsLst>
+            <a:gs pos="0">
+              <a:schemeClr val="phClr">
+                <a:tint val="93000"/>
+                <a:satMod val="150000"/>
+                <a:shade val="98000"/>
+                <a:lumMod val="102000"/>
+              </a:schemeClr>
+            </a:gs>
+            <a:gs pos="50000">
+              <a:schemeClr val="phClr">
+                <a:tint val="98000"/>
+                <a:satMod val="130000"/>
+                <a:shade val="90000"/>
+                <a:lumMod val="103000"/>
+              </a:schemeClr>
+            </a:gs>
+            <a:gs pos="100000">
+              <a:schemeClr val="phClr">
+                <a:shade val="63000"/>
+                <a:satMod val="120000"/>
+              </a:schemeClr>
+            </a:gs>
+          </a:gsLst>
+          <a:lin ang="5400000" scaled="0"/>
+        </a:gradFill>
+      </a:bgFillStyleLst>
+    </a:fmtScheme>
+  </a:themeElements>
+  <a:objectDefaults/>
+  <a:extraClrSchemeLst/>
+  <a:extLst>
+    <a:ext uri="{05A4C25C-085E-4340-85A3-A5531E510DB2}">
+      <thm15:themeFamily xmlns:thm15="http://schemas.microsoft.com/office/thememl/2012/main" name="Office Theme" id="{62F939B6-93AF-4DB8-9C6B-D6C7DFDC589F}" vid="{4A3C46E8-61CC-4603-A589-7422A47A8E4A}"/>
+    </a:ext>
+  </a:extLst>
+</a:theme>
 </file>